--- a/doc/secpolo2013.07.20.pptx
+++ b/doc/secpolo2013.07.20.pptx
@@ -19,11 +19,13 @@
     <p:sldId id="317" r:id="rId13"/>
     <p:sldId id="319" r:id="rId14"/>
     <p:sldId id="320" r:id="rId15"/>
-    <p:sldId id="322" r:id="rId16"/>
-    <p:sldId id="321" r:id="rId17"/>
-    <p:sldId id="323" r:id="rId18"/>
-    <p:sldId id="324" r:id="rId19"/>
-    <p:sldId id="263" r:id="rId20"/>
+    <p:sldId id="325" r:id="rId16"/>
+    <p:sldId id="322" r:id="rId17"/>
+    <p:sldId id="321" r:id="rId18"/>
+    <p:sldId id="323" r:id="rId19"/>
+    <p:sldId id="324" r:id="rId20"/>
+    <p:sldId id="326" r:id="rId21"/>
+    <p:sldId id="263" r:id="rId22"/>
   </p:sldIdLst>
   <p:sldSz cx="12192000" cy="6858000"/>
   <p:notesSz cx="6858000" cy="9144000"/>
@@ -145,10 +147,12 @@
             <p14:sldId id="317"/>
             <p14:sldId id="319"/>
             <p14:sldId id="320"/>
+            <p14:sldId id="325"/>
             <p14:sldId id="322"/>
             <p14:sldId id="321"/>
             <p14:sldId id="323"/>
             <p14:sldId id="324"/>
+            <p14:sldId id="326"/>
           </p14:sldIdLst>
         </p14:section>
         <p14:section name="タイトルなしのセクション" id="{07A6CA95-3701-4F8D-8132-242E1A8099E8}">
@@ -421,7 +425,7 @@
           <a:p>
             <a:fld id="{7ADDEE4B-4E0E-4E1B-B49A-FE2BFFE9FC06}" type="datetimeFigureOut">
               <a:rPr kumimoji="1" lang="ja-JP" altLang="en-US" smtClean="0"/>
-              <a:t>2013/7/19</a:t>
+              <a:t>2013/7/20</a:t>
             </a:fld>
             <a:endParaRPr kumimoji="1" lang="ja-JP" altLang="en-US"/>
           </a:p>
@@ -715,7 +719,7 @@
           <a:p>
             <a:fld id="{7ADDEE4B-4E0E-4E1B-B49A-FE2BFFE9FC06}" type="datetimeFigureOut">
               <a:rPr kumimoji="1" lang="ja-JP" altLang="en-US" smtClean="0"/>
-              <a:t>2013/7/19</a:t>
+              <a:t>2013/7/20</a:t>
             </a:fld>
             <a:endParaRPr kumimoji="1" lang="ja-JP" altLang="en-US"/>
           </a:p>
@@ -982,7 +986,7 @@
           <a:p>
             <a:fld id="{7ADDEE4B-4E0E-4E1B-B49A-FE2BFFE9FC06}" type="datetimeFigureOut">
               <a:rPr kumimoji="1" lang="ja-JP" altLang="en-US" smtClean="0"/>
-              <a:t>2013/7/19</a:t>
+              <a:t>2013/7/20</a:t>
             </a:fld>
             <a:endParaRPr kumimoji="1" lang="ja-JP" altLang="en-US"/>
           </a:p>
@@ -1254,7 +1258,7 @@
           <a:p>
             <a:fld id="{7ADDEE4B-4E0E-4E1B-B49A-FE2BFFE9FC06}" type="datetimeFigureOut">
               <a:rPr kumimoji="1" lang="ja-JP" altLang="en-US" smtClean="0"/>
-              <a:t>2013/7/19</a:t>
+              <a:t>2013/7/20</a:t>
             </a:fld>
             <a:endParaRPr kumimoji="1" lang="ja-JP" altLang="en-US"/>
           </a:p>
@@ -1561,7 +1565,7 @@
           <a:p>
             <a:fld id="{7ADDEE4B-4E0E-4E1B-B49A-FE2BFFE9FC06}" type="datetimeFigureOut">
               <a:rPr kumimoji="1" lang="ja-JP" altLang="en-US" smtClean="0"/>
-              <a:t>2013/7/19</a:t>
+              <a:t>2013/7/20</a:t>
             </a:fld>
             <a:endParaRPr kumimoji="1" lang="ja-JP" altLang="en-US"/>
           </a:p>
@@ -1927,7 +1931,7 @@
           <a:p>
             <a:fld id="{7ADDEE4B-4E0E-4E1B-B49A-FE2BFFE9FC06}" type="datetimeFigureOut">
               <a:rPr kumimoji="1" lang="ja-JP" altLang="en-US" smtClean="0"/>
-              <a:t>2013/7/19</a:t>
+              <a:t>2013/7/20</a:t>
             </a:fld>
             <a:endParaRPr kumimoji="1" lang="ja-JP" altLang="en-US"/>
           </a:p>
@@ -2413,7 +2417,7 @@
           <a:p>
             <a:fld id="{7ADDEE4B-4E0E-4E1B-B49A-FE2BFFE9FC06}" type="datetimeFigureOut">
               <a:rPr kumimoji="1" lang="ja-JP" altLang="en-US" smtClean="0"/>
-              <a:t>2013/7/19</a:t>
+              <a:t>2013/7/20</a:t>
             </a:fld>
             <a:endParaRPr kumimoji="1" lang="ja-JP" altLang="en-US"/>
           </a:p>
@@ -2575,7 +2579,7 @@
           <a:p>
             <a:fld id="{7ADDEE4B-4E0E-4E1B-B49A-FE2BFFE9FC06}" type="datetimeFigureOut">
               <a:rPr kumimoji="1" lang="ja-JP" altLang="en-US" smtClean="0"/>
-              <a:t>2013/7/19</a:t>
+              <a:t>2013/7/20</a:t>
             </a:fld>
             <a:endParaRPr kumimoji="1" lang="ja-JP" altLang="en-US"/>
           </a:p>
@@ -2670,7 +2674,7 @@
           <a:p>
             <a:fld id="{7ADDEE4B-4E0E-4E1B-B49A-FE2BFFE9FC06}" type="datetimeFigureOut">
               <a:rPr kumimoji="1" lang="ja-JP" altLang="en-US" smtClean="0"/>
-              <a:t>2013/7/19</a:t>
+              <a:t>2013/7/20</a:t>
             </a:fld>
             <a:endParaRPr kumimoji="1" lang="ja-JP" altLang="en-US"/>
           </a:p>
@@ -3080,7 +3084,7 @@
           <a:p>
             <a:fld id="{7ADDEE4B-4E0E-4E1B-B49A-FE2BFFE9FC06}" type="datetimeFigureOut">
               <a:rPr kumimoji="1" lang="ja-JP" altLang="en-US" smtClean="0"/>
-              <a:t>2013/7/19</a:t>
+              <a:t>2013/7/20</a:t>
             </a:fld>
             <a:endParaRPr kumimoji="1" lang="ja-JP" altLang="en-US"/>
           </a:p>
@@ -3369,7 +3373,7 @@
           <a:p>
             <a:fld id="{7ADDEE4B-4E0E-4E1B-B49A-FE2BFFE9FC06}" type="datetimeFigureOut">
               <a:rPr kumimoji="1" lang="ja-JP" altLang="en-US" smtClean="0"/>
-              <a:t>2013/7/19</a:t>
+              <a:t>2013/7/20</a:t>
             </a:fld>
             <a:endParaRPr kumimoji="1" lang="ja-JP" altLang="en-US"/>
           </a:p>
@@ -3612,7 +3616,7 @@
           <a:p>
             <a:fld id="{7ADDEE4B-4E0E-4E1B-B49A-FE2BFFE9FC06}" type="datetimeFigureOut">
               <a:rPr kumimoji="1" lang="ja-JP" altLang="en-US" smtClean="0"/>
-              <a:t>2013/7/19</a:t>
+              <a:t>2013/7/20</a:t>
             </a:fld>
             <a:endParaRPr kumimoji="1" lang="ja-JP" altLang="en-US"/>
           </a:p>
@@ -4408,11 +4412,7 @@
             </a:br>
             <a:r>
               <a:rPr lang="ja-JP" altLang="en-US" sz="2400" dirty="0" smtClean="0"/>
-              <a:t>個人</a:t>
-            </a:r>
-            <a:r>
-              <a:rPr lang="ja-JP" altLang="en-US" sz="2400" dirty="0" smtClean="0"/>
-              <a:t>情報の収集</a:t>
+              <a:t>個人情報の収集</a:t>
             </a:r>
             <a:endParaRPr kumimoji="1" lang="ja-JP" altLang="en-US" sz="2400" dirty="0"/>
           </a:p>
@@ -4644,11 +4644,7 @@
             </a:br>
             <a:r>
               <a:rPr lang="ja-JP" altLang="en-US" sz="2400" dirty="0" smtClean="0"/>
-              <a:t>オレオレ</a:t>
-            </a:r>
-            <a:r>
-              <a:rPr lang="ja-JP" altLang="en-US" sz="2400" dirty="0" smtClean="0"/>
-              <a:t>詐欺</a:t>
+              <a:t>オレオレ詐欺</a:t>
             </a:r>
             <a:endParaRPr kumimoji="1" lang="ja-JP" altLang="en-US" sz="2400" dirty="0"/>
           </a:p>
@@ -5026,11 +5022,7 @@
             </a:br>
             <a:r>
               <a:rPr lang="ja-JP" altLang="en-US" sz="2400" dirty="0" smtClean="0"/>
-              <a:t>乗っ取り（コスト高なので、「出会い系誘導」などが目的ではないよう</a:t>
-            </a:r>
-            <a:r>
-              <a:rPr lang="ja-JP" altLang="en-US" sz="2400" dirty="0" smtClean="0"/>
-              <a:t>に思う</a:t>
+              <a:t>乗っ取り（コスト高なので、「出会い系誘導」などが目的ではないように思う</a:t>
             </a:r>
             <a:r>
               <a:rPr lang="ja-JP" altLang="en-US" sz="2400" dirty="0"/>
@@ -5933,47 +5925,27 @@
           <a:lstStyle/>
           <a:p>
             <a:r>
-              <a:rPr lang="ja-JP" altLang="en-US" sz="3200" dirty="0"/>
+              <a:rPr kumimoji="1" lang="ja-JP" altLang="en-US" sz="3200" dirty="0" smtClean="0"/>
               <a:t>スパムアカウントを見つけるプログラム（作ってみた）</a:t>
             </a:r>
             <a:r>
-              <a:rPr kumimoji="1" lang="en-US" altLang="ja-JP" sz="3200" dirty="0" smtClean="0"/>
+              <a:rPr kumimoji="1" lang="en-US" altLang="ja-JP" dirty="0" smtClean="0"/>
               <a:t/>
             </a:r>
             <a:br>
-              <a:rPr kumimoji="1" lang="en-US" altLang="ja-JP" sz="3200" dirty="0" smtClean="0"/>
+              <a:rPr kumimoji="1" lang="en-US" altLang="ja-JP" dirty="0" smtClean="0"/>
             </a:br>
             <a:r>
-              <a:rPr kumimoji="1" lang="ja-JP" altLang="en-US" sz="2700" dirty="0" smtClean="0"/>
-              <a:t>プロフィール写真だけの特徴</a:t>
-            </a:r>
-            <a:r>
-              <a:rPr lang="ja-JP" altLang="en-US" sz="2700" dirty="0" smtClean="0"/>
-              <a:t>あ</a:t>
-            </a:r>
-            <a:r>
-              <a:rPr lang="ja-JP" altLang="en-US" sz="2700" dirty="0"/>
-              <a:t>る</a:t>
-            </a:r>
-            <a:r>
-              <a:rPr kumimoji="1" lang="en-US" altLang="ja-JP" sz="2700" dirty="0" smtClean="0"/>
-              <a:t>Facebook</a:t>
-            </a:r>
-            <a:r>
-              <a:rPr kumimoji="1" lang="ja-JP" altLang="en-US" sz="2700" dirty="0" smtClean="0"/>
-              <a:t>の</a:t>
-            </a:r>
-            <a:r>
-              <a:rPr lang="ja-JP" altLang="en-US" sz="2700" dirty="0" smtClean="0"/>
-              <a:t>ページ</a:t>
-            </a:r>
-            <a:endParaRPr kumimoji="1" lang="ja-JP" altLang="en-US" sz="2700" dirty="0"/>
+              <a:rPr kumimoji="1" lang="ja-JP" altLang="en-US" sz="2400" dirty="0" smtClean="0"/>
+              <a:t>スパムアカウントは強調表示されます</a:t>
+            </a:r>
+            <a:endParaRPr kumimoji="1" lang="ja-JP" altLang="en-US" sz="2400" dirty="0"/>
           </a:p>
         </p:txBody>
       </p:sp>
       <p:pic>
         <p:nvPicPr>
-          <p:cNvPr id="4" name="図 3"/>
+          <p:cNvPr id="3" name="図 2"/>
           <p:cNvPicPr>
             <a:picLocks noChangeAspect="1"/>
           </p:cNvPicPr>
@@ -5987,55 +5959,31 @@
         </p:blipFill>
         <p:spPr>
           <a:xfrm>
-            <a:off x="1328166" y="2497392"/>
-            <a:ext cx="5036444" cy="4097328"/>
+            <a:off x="581192" y="1914525"/>
+            <a:ext cx="6591300" cy="4943475"/>
           </a:xfrm>
           <a:prstGeom prst="rect">
             <a:avLst/>
           </a:prstGeom>
         </p:spPr>
       </p:pic>
-      <p:pic>
-        <p:nvPicPr>
-          <p:cNvPr id="7" name="図 6"/>
-          <p:cNvPicPr>
-            <a:picLocks noChangeAspect="1"/>
-          </p:cNvPicPr>
-          <p:nvPr/>
-        </p:nvPicPr>
-        <p:blipFill>
-          <a:blip r:embed="rId3"/>
-          <a:stretch>
-            <a:fillRect/>
-          </a:stretch>
-        </p:blipFill>
-        <p:spPr>
-          <a:xfrm>
-            <a:off x="5617636" y="1715956"/>
-            <a:ext cx="5741530" cy="5470987"/>
-          </a:xfrm>
-          <a:prstGeom prst="rect">
-            <a:avLst/>
-          </a:prstGeom>
-        </p:spPr>
-      </p:pic>
-      <p:sp>
-        <p:nvSpPr>
-          <p:cNvPr id="6" name="強調線吹き出し 1 (枠付き) 5"/>
+      <p:sp>
+        <p:nvSpPr>
+          <p:cNvPr id="5" name="強調線吹き出し 1 (枠付き) 4"/>
           <p:cNvSpPr/>
           <p:nvPr/>
         </p:nvSpPr>
         <p:spPr>
           <a:xfrm>
-            <a:off x="3374118" y="4224688"/>
+            <a:off x="7121692" y="5383058"/>
             <a:ext cx="4203700" cy="1082984"/>
           </a:xfrm>
           <a:prstGeom prst="accentBorderCallout1">
             <a:avLst>
               <a:gd name="adj1" fmla="val 18750"/>
               <a:gd name="adj2" fmla="val -8333"/>
-              <a:gd name="adj3" fmla="val -57850"/>
-              <a:gd name="adj4" fmla="val -28733"/>
+              <a:gd name="adj3" fmla="val -54019"/>
+              <a:gd name="adj4" fmla="val -112657"/>
             </a:avLst>
           </a:prstGeom>
         </p:spPr>
@@ -6060,7 +6008,100 @@
             <a:pPr algn="ctr"/>
             <a:r>
               <a:rPr lang="ja-JP" altLang="en-US" dirty="0" smtClean="0"/>
-              <a:t>ダブルクリックでページを確認できる</a:t>
+              <a:t>この方は３人のスパムアカウントを友達として承認してしまっています</a:t>
+            </a:r>
+            <a:endParaRPr kumimoji="1" lang="ja-JP" altLang="en-US" dirty="0"/>
+          </a:p>
+        </p:txBody>
+      </p:sp>
+      <p:sp>
+        <p:nvSpPr>
+          <p:cNvPr id="7" name="円/楕円 6"/>
+          <p:cNvSpPr/>
+          <p:nvPr/>
+        </p:nvSpPr>
+        <p:spPr>
+          <a:xfrm>
+            <a:off x="1739900" y="4521200"/>
+            <a:ext cx="571500" cy="520700"/>
+          </a:xfrm>
+          <a:prstGeom prst="ellipse">
+            <a:avLst/>
+          </a:prstGeom>
+          <a:noFill/>
+          <a:ln>
+            <a:solidFill>
+              <a:srgbClr val="FF0000"/>
+            </a:solidFill>
+          </a:ln>
+        </p:spPr>
+        <p:style>
+          <a:lnRef idx="2">
+            <a:schemeClr val="accent1">
+              <a:shade val="50000"/>
+            </a:schemeClr>
+          </a:lnRef>
+          <a:fillRef idx="1">
+            <a:schemeClr val="accent1"/>
+          </a:fillRef>
+          <a:effectRef idx="0">
+            <a:schemeClr val="accent1"/>
+          </a:effectRef>
+          <a:fontRef idx="minor">
+            <a:schemeClr val="lt1"/>
+          </a:fontRef>
+        </p:style>
+        <p:txBody>
+          <a:bodyPr rtlCol="0" anchor="ctr"/>
+          <a:lstStyle/>
+          <a:p>
+            <a:pPr algn="ctr"/>
+            <a:endParaRPr kumimoji="1" lang="ja-JP" altLang="en-US"/>
+          </a:p>
+        </p:txBody>
+      </p:sp>
+      <p:sp>
+        <p:nvSpPr>
+          <p:cNvPr id="8" name="強調線吹き出し 1 (枠付き) 7"/>
+          <p:cNvSpPr/>
+          <p:nvPr/>
+        </p:nvSpPr>
+        <p:spPr>
+          <a:xfrm>
+            <a:off x="7147092" y="2296958"/>
+            <a:ext cx="4203700" cy="1082984"/>
+          </a:xfrm>
+          <a:prstGeom prst="accentBorderCallout1">
+            <a:avLst>
+              <a:gd name="adj1" fmla="val 18750"/>
+              <a:gd name="adj2" fmla="val -8333"/>
+              <a:gd name="adj3" fmla="val 120711"/>
+              <a:gd name="adj4" fmla="val -64319"/>
+            </a:avLst>
+          </a:prstGeom>
+        </p:spPr>
+        <p:style>
+          <a:lnRef idx="2">
+            <a:schemeClr val="accent5"/>
+          </a:lnRef>
+          <a:fillRef idx="1">
+            <a:schemeClr val="lt1"/>
+          </a:fillRef>
+          <a:effectRef idx="0">
+            <a:schemeClr val="accent5"/>
+          </a:effectRef>
+          <a:fontRef idx="minor">
+            <a:schemeClr val="dk1"/>
+          </a:fontRef>
+        </p:style>
+        <p:txBody>
+          <a:bodyPr rtlCol="0" anchor="ctr"/>
+          <a:lstStyle/>
+          <a:p>
+            <a:pPr algn="ctr"/>
+            <a:r>
+              <a:rPr lang="ja-JP" altLang="en-US" dirty="0" smtClean="0"/>
+              <a:t>スパムＤＢに存在するアカウントは強調表示されます</a:t>
             </a:r>
             <a:endParaRPr kumimoji="1" lang="ja-JP" altLang="en-US" dirty="0"/>
           </a:p>
@@ -6069,7 +6110,7 @@
     </p:spTree>
     <p:extLst>
       <p:ext uri="{BB962C8B-B14F-4D97-AF65-F5344CB8AC3E}">
-        <p14:creationId xmlns:p14="http://schemas.microsoft.com/office/powerpoint/2010/main" val="2544560409"/>
+        <p14:creationId xmlns:p14="http://schemas.microsoft.com/office/powerpoint/2010/main" val="3779521137"/>
       </p:ext>
     </p:extLst>
   </p:cSld>
@@ -6103,9 +6144,65 @@
           <a:chExt cx="0" cy="0"/>
         </a:xfrm>
       </p:grpSpPr>
+      <p:sp>
+        <p:nvSpPr>
+          <p:cNvPr id="2" name="タイトル 1"/>
+          <p:cNvSpPr>
+            <a:spLocks noGrp="1"/>
+          </p:cNvSpPr>
+          <p:nvPr>
+            <p:ph type="title"/>
+          </p:nvPr>
+        </p:nvSpPr>
+        <p:spPr/>
+        <p:txBody>
+          <a:bodyPr>
+            <a:normAutofit/>
+          </a:bodyPr>
+          <a:lstStyle/>
+          <a:p>
+            <a:r>
+              <a:rPr lang="ja-JP" altLang="en-US" sz="3200" dirty="0"/>
+              <a:t>スパムアカウントを見つけるプログラム（作ってみた）</a:t>
+            </a:r>
+            <a:r>
+              <a:rPr kumimoji="1" lang="en-US" altLang="ja-JP" sz="3200" dirty="0" smtClean="0"/>
+              <a:t/>
+            </a:r>
+            <a:br>
+              <a:rPr kumimoji="1" lang="en-US" altLang="ja-JP" sz="3200" dirty="0" smtClean="0"/>
+            </a:br>
+            <a:r>
+              <a:rPr kumimoji="1" lang="ja-JP" altLang="en-US" sz="2700" dirty="0" smtClean="0"/>
+              <a:t>プロフィール写真だけの特徴</a:t>
+            </a:r>
+            <a:r>
+              <a:rPr lang="ja-JP" altLang="en-US" sz="2700" dirty="0" smtClean="0"/>
+              <a:t>あ</a:t>
+            </a:r>
+            <a:r>
+              <a:rPr lang="ja-JP" altLang="en-US" sz="2700" dirty="0"/>
+              <a:t>る</a:t>
+            </a:r>
+            <a:r>
+              <a:rPr kumimoji="1" lang="en-US" altLang="ja-JP" sz="2700" dirty="0" smtClean="0"/>
+              <a:t>Facebook</a:t>
+            </a:r>
+            <a:r>
+              <a:rPr kumimoji="1" lang="ja-JP" altLang="en-US" sz="2700" dirty="0" smtClean="0"/>
+              <a:t>の</a:t>
+            </a:r>
+            <a:r>
+              <a:rPr lang="ja-JP" altLang="en-US" sz="2700" dirty="0" smtClean="0"/>
+              <a:t>ページ</a:t>
+            </a:r>
+            <a:endParaRPr kumimoji="1" lang="ja-JP" altLang="en-US" sz="2700" dirty="0"/>
+          </a:p>
+        </p:txBody>
+      </p:sp>
       <p:pic>
         <p:nvPicPr>
-          <p:cNvPr id="11" name="図 10"/>
+          <p:cNvPr id="4" name="図 3"/>
           <p:cNvPicPr>
             <a:picLocks noChangeAspect="1"/>
           </p:cNvPicPr>
@@ -6119,53 +6216,17 @@
         </p:blipFill>
         <p:spPr>
           <a:xfrm>
-            <a:off x="581192" y="2129812"/>
-            <a:ext cx="5551599" cy="4516425"/>
+            <a:off x="1328166" y="2497392"/>
+            <a:ext cx="5036444" cy="4097328"/>
           </a:xfrm>
           <a:prstGeom prst="rect">
             <a:avLst/>
           </a:prstGeom>
         </p:spPr>
       </p:pic>
-      <p:sp>
-        <p:nvSpPr>
-          <p:cNvPr id="2" name="タイトル 1"/>
-          <p:cNvSpPr>
-            <a:spLocks noGrp="1"/>
-          </p:cNvSpPr>
-          <p:nvPr>
-            <p:ph type="title"/>
-          </p:nvPr>
-        </p:nvSpPr>
-        <p:spPr/>
-        <p:txBody>
-          <a:bodyPr>
-            <a:normAutofit/>
-          </a:bodyPr>
-          <a:lstStyle/>
-          <a:p>
-            <a:r>
-              <a:rPr lang="ja-JP" altLang="en-US" sz="3200" dirty="0"/>
-              <a:t>スパムアカウントを見つけるプログラム（作ってみた）</a:t>
-            </a:r>
-            <a:r>
-              <a:rPr kumimoji="1" lang="en-US" altLang="ja-JP" sz="3200" dirty="0" smtClean="0"/>
-              <a:t/>
-            </a:r>
-            <a:br>
-              <a:rPr kumimoji="1" lang="en-US" altLang="ja-JP" sz="3200" dirty="0" smtClean="0"/>
-            </a:br>
-            <a:r>
-              <a:rPr kumimoji="1" lang="ja-JP" altLang="en-US" sz="2700" dirty="0" smtClean="0"/>
-              <a:t>大量の同じ名前で違う写真、でも人物は同じ？</a:t>
-            </a:r>
-            <a:endParaRPr kumimoji="1" lang="ja-JP" altLang="en-US" sz="2700" dirty="0"/>
-          </a:p>
-        </p:txBody>
-      </p:sp>
       <p:pic>
         <p:nvPicPr>
-          <p:cNvPr id="9" name="図 8"/>
+          <p:cNvPr id="7" name="図 6"/>
           <p:cNvPicPr>
             <a:picLocks noChangeAspect="1"/>
           </p:cNvPicPr>
@@ -6179,8 +6240,8 @@
         </p:blipFill>
         <p:spPr>
           <a:xfrm>
-            <a:off x="7548775" y="1409700"/>
-            <a:ext cx="3886200" cy="5448300"/>
+            <a:off x="5617636" y="1715956"/>
+            <a:ext cx="5741530" cy="5470987"/>
           </a:xfrm>
           <a:prstGeom prst="rect">
             <a:avLst/>
@@ -6195,15 +6256,15 @@
         </p:nvSpPr>
         <p:spPr>
           <a:xfrm>
-            <a:off x="5941166" y="3846532"/>
+            <a:off x="3374118" y="4224688"/>
             <a:ext cx="4203700" cy="1082984"/>
           </a:xfrm>
           <a:prstGeom prst="accentBorderCallout1">
             <a:avLst>
               <a:gd name="adj1" fmla="val 18750"/>
               <a:gd name="adj2" fmla="val -8333"/>
-              <a:gd name="adj3" fmla="val 148123"/>
-              <a:gd name="adj4" fmla="val -36742"/>
+              <a:gd name="adj3" fmla="val -57850"/>
+              <a:gd name="adj4" fmla="val -28733"/>
             </a:avLst>
           </a:prstGeom>
         </p:spPr>
@@ -6228,55 +6289,16 @@
             <a:pPr algn="ctr"/>
             <a:r>
               <a:rPr lang="ja-JP" altLang="en-US" dirty="0" smtClean="0"/>
-              <a:t>右クリックメニューから</a:t>
-            </a:r>
-            <a:r>
-              <a:rPr lang="en-US" altLang="ja-JP" dirty="0" smtClean="0"/>
-              <a:t>Facebook</a:t>
-            </a:r>
-            <a:r>
-              <a:rPr lang="ja-JP" altLang="en-US" dirty="0" smtClean="0"/>
-              <a:t>のユーザ検索ができます</a:t>
+              <a:t>ダブルクリックでページを確認できる</a:t>
             </a:r>
             <a:endParaRPr kumimoji="1" lang="ja-JP" altLang="en-US" dirty="0"/>
           </a:p>
         </p:txBody>
       </p:sp>
-      <p:pic>
-        <p:nvPicPr>
-          <p:cNvPr id="12" name="図 11"/>
-          <p:cNvPicPr>
-            <a:picLocks noChangeAspect="1"/>
-          </p:cNvPicPr>
-          <p:nvPr/>
-        </p:nvPicPr>
-        <p:blipFill>
-          <a:blip r:embed="rId4"/>
-          <a:stretch>
-            <a:fillRect/>
-          </a:stretch>
-        </p:blipFill>
-        <p:spPr>
-          <a:xfrm>
-            <a:off x="2442155" y="5129212"/>
-            <a:ext cx="2095500" cy="866775"/>
-          </a:xfrm>
-          <a:prstGeom prst="rect">
-            <a:avLst/>
-          </a:prstGeom>
-          <a:effectLst>
-            <a:outerShdw blurRad="50800" dist="38100" dir="2700000" sx="101000" sy="101000" algn="tl" rotWithShape="0">
-              <a:prstClr val="black">
-                <a:alpha val="56000"/>
-              </a:prstClr>
-            </a:outerShdw>
-          </a:effectLst>
-        </p:spPr>
-      </p:pic>
     </p:spTree>
     <p:extLst>
       <p:ext uri="{BB962C8B-B14F-4D97-AF65-F5344CB8AC3E}">
-        <p14:creationId xmlns:p14="http://schemas.microsoft.com/office/powerpoint/2010/main" val="584718059"/>
+        <p14:creationId xmlns:p14="http://schemas.microsoft.com/office/powerpoint/2010/main" val="2544560409"/>
       </p:ext>
     </p:extLst>
   </p:cSld>
@@ -6310,53 +6332,9 @@
           <a:chExt cx="0" cy="0"/>
         </a:xfrm>
       </p:grpSpPr>
-      <p:sp>
-        <p:nvSpPr>
-          <p:cNvPr id="2" name="タイトル 1"/>
-          <p:cNvSpPr>
-            <a:spLocks noGrp="1"/>
-          </p:cNvSpPr>
-          <p:nvPr>
-            <p:ph type="title"/>
-          </p:nvPr>
-        </p:nvSpPr>
-        <p:spPr/>
-        <p:txBody>
-          <a:bodyPr>
-            <a:normAutofit/>
-          </a:bodyPr>
-          <a:lstStyle/>
-          <a:p>
-            <a:r>
-              <a:rPr lang="ja-JP" altLang="en-US" sz="3200" dirty="0"/>
-              <a:t>スパムアカウントを見つけるプログラム（作ってみた）</a:t>
-            </a:r>
-            <a:r>
-              <a:rPr kumimoji="1" lang="en-US" altLang="ja-JP" sz="3200" dirty="0" smtClean="0"/>
-              <a:t/>
-            </a:r>
-            <a:br>
-              <a:rPr kumimoji="1" lang="en-US" altLang="ja-JP" sz="3200" dirty="0" smtClean="0"/>
-            </a:br>
-            <a:r>
-              <a:rPr kumimoji="1" lang="ja-JP" altLang="en-US" sz="2700" dirty="0" smtClean="0"/>
-              <a:t>名前を</a:t>
-            </a:r>
-            <a:r>
-              <a:rPr kumimoji="1" lang="en-US" altLang="ja-JP" sz="2700" dirty="0" smtClean="0"/>
-              <a:t>google</a:t>
-            </a:r>
-            <a:r>
-              <a:rPr lang="ja-JP" altLang="en-US" sz="2700" dirty="0" smtClean="0"/>
-              <a:t>で検索すると、すでに指摘されている場合もある</a:t>
-            </a:r>
-            <a:endParaRPr kumimoji="1" lang="ja-JP" altLang="en-US" sz="2700" dirty="0"/>
-          </a:p>
-        </p:txBody>
-      </p:sp>
       <p:pic>
         <p:nvPicPr>
-          <p:cNvPr id="3" name="図 2"/>
+          <p:cNvPr id="11" name="図 10"/>
           <p:cNvPicPr>
             <a:picLocks noChangeAspect="1"/>
           </p:cNvPicPr>
@@ -6370,17 +6348,53 @@
         </p:blipFill>
         <p:spPr>
           <a:xfrm>
-            <a:off x="581192" y="2051361"/>
-            <a:ext cx="5744462" cy="4673326"/>
+            <a:off x="581192" y="2129812"/>
+            <a:ext cx="5551599" cy="4516425"/>
           </a:xfrm>
           <a:prstGeom prst="rect">
             <a:avLst/>
           </a:prstGeom>
         </p:spPr>
       </p:pic>
+      <p:sp>
+        <p:nvSpPr>
+          <p:cNvPr id="2" name="タイトル 1"/>
+          <p:cNvSpPr>
+            <a:spLocks noGrp="1"/>
+          </p:cNvSpPr>
+          <p:nvPr>
+            <p:ph type="title"/>
+          </p:nvPr>
+        </p:nvSpPr>
+        <p:spPr/>
+        <p:txBody>
+          <a:bodyPr>
+            <a:normAutofit/>
+          </a:bodyPr>
+          <a:lstStyle/>
+          <a:p>
+            <a:r>
+              <a:rPr lang="ja-JP" altLang="en-US" sz="3200" dirty="0"/>
+              <a:t>スパムアカウントを見つけるプログラム（作ってみた）</a:t>
+            </a:r>
+            <a:r>
+              <a:rPr kumimoji="1" lang="en-US" altLang="ja-JP" sz="3200" dirty="0" smtClean="0"/>
+              <a:t/>
+            </a:r>
+            <a:br>
+              <a:rPr kumimoji="1" lang="en-US" altLang="ja-JP" sz="3200" dirty="0" smtClean="0"/>
+            </a:br>
+            <a:r>
+              <a:rPr kumimoji="1" lang="ja-JP" altLang="en-US" sz="2700" dirty="0" smtClean="0"/>
+              <a:t>大量の同じ名前で違う写真、でも人物は同じ？</a:t>
+            </a:r>
+            <a:endParaRPr kumimoji="1" lang="ja-JP" altLang="en-US" sz="2700" dirty="0"/>
+          </a:p>
+        </p:txBody>
+      </p:sp>
       <p:pic>
         <p:nvPicPr>
-          <p:cNvPr id="4" name="図 3"/>
+          <p:cNvPr id="9" name="図 8"/>
           <p:cNvPicPr>
             <a:picLocks noChangeAspect="1"/>
           </p:cNvPicPr>
@@ -6394,19 +6408,12 @@
         </p:blipFill>
         <p:spPr>
           <a:xfrm>
-            <a:off x="1338873" y="3398857"/>
-            <a:ext cx="2114550" cy="895350"/>
+            <a:off x="7548775" y="1409700"/>
+            <a:ext cx="3886200" cy="5448300"/>
           </a:xfrm>
           <a:prstGeom prst="rect">
             <a:avLst/>
           </a:prstGeom>
-          <a:effectLst>
-            <a:outerShdw blurRad="50800" dist="38100" dir="2700000" algn="tl" rotWithShape="0">
-              <a:prstClr val="black">
-                <a:alpha val="40000"/>
-              </a:prstClr>
-            </a:outerShdw>
-          </a:effectLst>
         </p:spPr>
       </p:pic>
       <p:sp>
@@ -6417,15 +6424,15 @@
         </p:nvSpPr>
         <p:spPr>
           <a:xfrm>
-            <a:off x="3994150" y="5560624"/>
+            <a:off x="5941166" y="3846532"/>
             <a:ext cx="4203700" cy="1082984"/>
           </a:xfrm>
           <a:prstGeom prst="accentBorderCallout1">
             <a:avLst>
               <a:gd name="adj1" fmla="val 18750"/>
               <a:gd name="adj2" fmla="val -8333"/>
-              <a:gd name="adj3" fmla="val -147394"/>
-              <a:gd name="adj4" fmla="val -30366"/>
+              <a:gd name="adj3" fmla="val 148123"/>
+              <a:gd name="adj4" fmla="val -36742"/>
             </a:avLst>
           </a:prstGeom>
         </p:spPr>
@@ -6454,11 +6461,11 @@
             </a:r>
             <a:r>
               <a:rPr lang="en-US" altLang="ja-JP" dirty="0" smtClean="0"/>
-              <a:t>google</a:t>
+              <a:t>Facebook</a:t>
             </a:r>
             <a:r>
               <a:rPr lang="ja-JP" altLang="en-US" dirty="0" smtClean="0"/>
-              <a:t>で名前を検索できます</a:t>
+              <a:t>のユーザ検索ができます</a:t>
             </a:r>
             <a:endParaRPr kumimoji="1" lang="ja-JP" altLang="en-US" dirty="0"/>
           </a:p>
@@ -6466,7 +6473,7 @@
       </p:sp>
       <p:pic>
         <p:nvPicPr>
-          <p:cNvPr id="7" name="図 6"/>
+          <p:cNvPr id="12" name="図 11"/>
           <p:cNvPicPr>
             <a:picLocks noChangeAspect="1"/>
           </p:cNvPicPr>
@@ -6480,16 +6487,16 @@
         </p:blipFill>
         <p:spPr>
           <a:xfrm>
-            <a:off x="4680416" y="2339399"/>
-            <a:ext cx="7034867" cy="2885820"/>
+            <a:off x="2442155" y="5129212"/>
+            <a:ext cx="2095500" cy="866775"/>
           </a:xfrm>
           <a:prstGeom prst="rect">
             <a:avLst/>
           </a:prstGeom>
           <a:effectLst>
-            <a:outerShdw blurRad="50800" dist="38100" dir="2700000" algn="tl" rotWithShape="0">
+            <a:outerShdw blurRad="50800" dist="38100" dir="2700000" sx="101000" sy="101000" algn="tl" rotWithShape="0">
               <a:prstClr val="black">
-                <a:alpha val="40000"/>
+                <a:alpha val="56000"/>
               </a:prstClr>
             </a:outerShdw>
           </a:effectLst>
@@ -6498,7 +6505,7 @@
     </p:spTree>
     <p:extLst>
       <p:ext uri="{BB962C8B-B14F-4D97-AF65-F5344CB8AC3E}">
-        <p14:creationId xmlns:p14="http://schemas.microsoft.com/office/powerpoint/2010/main" val="3835117210"/>
+        <p14:creationId xmlns:p14="http://schemas.microsoft.com/office/powerpoint/2010/main" val="584718059"/>
       </p:ext>
     </p:extLst>
   </p:cSld>
@@ -6561,16 +6568,24 @@
               <a:rPr kumimoji="1" lang="en-US" altLang="ja-JP" sz="3200" dirty="0" smtClean="0"/>
             </a:br>
             <a:r>
-              <a:rPr kumimoji="1" lang="ja-JP" altLang="en-US" sz="2400" dirty="0" smtClean="0"/>
-              <a:t>イケメン男性パターンもある</a:t>
-            </a:r>
-            <a:endParaRPr kumimoji="1" lang="ja-JP" altLang="en-US" sz="2400" dirty="0"/>
+              <a:rPr kumimoji="1" lang="ja-JP" altLang="en-US" sz="2700" dirty="0" smtClean="0"/>
+              <a:t>名前を</a:t>
+            </a:r>
+            <a:r>
+              <a:rPr kumimoji="1" lang="en-US" altLang="ja-JP" sz="2700" dirty="0" smtClean="0"/>
+              <a:t>google</a:t>
+            </a:r>
+            <a:r>
+              <a:rPr lang="ja-JP" altLang="en-US" sz="2700" dirty="0" smtClean="0"/>
+              <a:t>で検索すると、すでに指摘されている場合もある</a:t>
+            </a:r>
+            <a:endParaRPr kumimoji="1" lang="ja-JP" altLang="en-US" sz="2700" dirty="0"/>
           </a:p>
         </p:txBody>
       </p:sp>
       <p:pic>
         <p:nvPicPr>
-          <p:cNvPr id="5" name="図 4"/>
+          <p:cNvPr id="3" name="図 2"/>
           <p:cNvPicPr>
             <a:picLocks noChangeAspect="1"/>
           </p:cNvPicPr>
@@ -6584,8 +6599,8 @@
         </p:blipFill>
         <p:spPr>
           <a:xfrm>
-            <a:off x="1587500" y="2328210"/>
-            <a:ext cx="5459686" cy="4441651"/>
+            <a:off x="581192" y="2051361"/>
+            <a:ext cx="5744462" cy="4673326"/>
           </a:xfrm>
           <a:prstGeom prst="rect">
             <a:avLst/>
@@ -6594,7 +6609,7 @@
       </p:pic>
       <p:pic>
         <p:nvPicPr>
-          <p:cNvPr id="8" name="図 7"/>
+          <p:cNvPr id="4" name="図 3"/>
           <p:cNvPicPr>
             <a:picLocks noChangeAspect="1"/>
           </p:cNvPicPr>
@@ -6608,24 +6623,79 @@
         </p:blipFill>
         <p:spPr>
           <a:xfrm>
-            <a:off x="2486135" y="5776833"/>
-            <a:ext cx="2095500" cy="866775"/>
+            <a:off x="1338873" y="3398857"/>
+            <a:ext cx="2114550" cy="895350"/>
           </a:xfrm>
           <a:prstGeom prst="rect">
             <a:avLst/>
           </a:prstGeom>
           <a:effectLst>
-            <a:outerShdw blurRad="50800" dist="38100" dir="2700000" sx="101000" sy="101000" algn="tl" rotWithShape="0">
+            <a:outerShdw blurRad="50800" dist="38100" dir="2700000" algn="tl" rotWithShape="0">
               <a:prstClr val="black">
-                <a:alpha val="56000"/>
+                <a:alpha val="40000"/>
               </a:prstClr>
             </a:outerShdw>
           </a:effectLst>
         </p:spPr>
       </p:pic>
+      <p:sp>
+        <p:nvSpPr>
+          <p:cNvPr id="6" name="強調線吹き出し 1 (枠付き) 5"/>
+          <p:cNvSpPr/>
+          <p:nvPr/>
+        </p:nvSpPr>
+        <p:spPr>
+          <a:xfrm>
+            <a:off x="3994150" y="5560624"/>
+            <a:ext cx="4203700" cy="1082984"/>
+          </a:xfrm>
+          <a:prstGeom prst="accentBorderCallout1">
+            <a:avLst>
+              <a:gd name="adj1" fmla="val 18750"/>
+              <a:gd name="adj2" fmla="val -8333"/>
+              <a:gd name="adj3" fmla="val -147394"/>
+              <a:gd name="adj4" fmla="val -30366"/>
+            </a:avLst>
+          </a:prstGeom>
+        </p:spPr>
+        <p:style>
+          <a:lnRef idx="2">
+            <a:schemeClr val="accent5"/>
+          </a:lnRef>
+          <a:fillRef idx="1">
+            <a:schemeClr val="lt1"/>
+          </a:fillRef>
+          <a:effectRef idx="0">
+            <a:schemeClr val="accent5"/>
+          </a:effectRef>
+          <a:fontRef idx="minor">
+            <a:schemeClr val="dk1"/>
+          </a:fontRef>
+        </p:style>
+        <p:txBody>
+          <a:bodyPr rtlCol="0" anchor="ctr"/>
+          <a:lstStyle/>
+          <a:p>
+            <a:pPr algn="ctr"/>
+            <a:r>
+              <a:rPr lang="ja-JP" altLang="en-US" dirty="0" smtClean="0"/>
+              <a:t>右クリックメニューから</a:t>
+            </a:r>
+            <a:r>
+              <a:rPr lang="en-US" altLang="ja-JP" dirty="0" smtClean="0"/>
+              <a:t>google</a:t>
+            </a:r>
+            <a:r>
+              <a:rPr lang="ja-JP" altLang="en-US" dirty="0" smtClean="0"/>
+              <a:t>で名前を検索できます</a:t>
+            </a:r>
+            <a:endParaRPr kumimoji="1" lang="ja-JP" altLang="en-US" dirty="0"/>
+          </a:p>
+        </p:txBody>
+      </p:sp>
       <p:pic>
         <p:nvPicPr>
-          <p:cNvPr id="9" name="図 8"/>
+          <p:cNvPr id="7" name="図 6"/>
           <p:cNvPicPr>
             <a:picLocks noChangeAspect="1"/>
           </p:cNvPicPr>
@@ -6639,18 +6709,25 @@
         </p:blipFill>
         <p:spPr>
           <a:xfrm>
-            <a:off x="6542689" y="1966833"/>
-            <a:ext cx="4387186" cy="5537553"/>
+            <a:off x="4680416" y="2339399"/>
+            <a:ext cx="7034867" cy="2885820"/>
           </a:xfrm>
           <a:prstGeom prst="rect">
             <a:avLst/>
           </a:prstGeom>
+          <a:effectLst>
+            <a:outerShdw blurRad="50800" dist="38100" dir="2700000" algn="tl" rotWithShape="0">
+              <a:prstClr val="black">
+                <a:alpha val="40000"/>
+              </a:prstClr>
+            </a:outerShdw>
+          </a:effectLst>
         </p:spPr>
       </p:pic>
     </p:spTree>
     <p:extLst>
       <p:ext uri="{BB962C8B-B14F-4D97-AF65-F5344CB8AC3E}">
-        <p14:creationId xmlns:p14="http://schemas.microsoft.com/office/powerpoint/2010/main" val="871325078"/>
+        <p14:creationId xmlns:p14="http://schemas.microsoft.com/office/powerpoint/2010/main" val="3835117210"/>
       </p:ext>
     </p:extLst>
   </p:cSld>
@@ -6686,20 +6763,15 @@
       </p:grpSpPr>
       <p:sp>
         <p:nvSpPr>
-          <p:cNvPr id="8" name="タイトル 1"/>
+          <p:cNvPr id="2" name="タイトル 1"/>
           <p:cNvSpPr>
             <a:spLocks noGrp="1"/>
           </p:cNvSpPr>
           <p:nvPr>
-            <p:ph type="ctrTitle"/>
+            <p:ph type="title"/>
           </p:nvPr>
         </p:nvSpPr>
-        <p:spPr>
-          <a:xfrm>
-            <a:off x="581191" y="1020431"/>
-            <a:ext cx="10993549" cy="1475013"/>
-          </a:xfrm>
-        </p:spPr>
+        <p:spPr/>
         <p:txBody>
           <a:bodyPr>
             <a:normAutofit/>
@@ -6707,85 +6779,107 @@
           <a:lstStyle/>
           <a:p>
             <a:r>
-              <a:rPr lang="ja-JP" altLang="en-US" sz="4400" dirty="0" smtClean="0">
-                <a:latin typeface="+mj-ea"/>
-              </a:rPr>
-              <a:t>ご清聴ありがとうございました</a:t>
-            </a:r>
-            <a:endParaRPr kumimoji="1" lang="ja-JP" altLang="en-US" sz="4400" dirty="0">
-              <a:latin typeface="+mj-ea"/>
-            </a:endParaRPr>
-          </a:p>
-        </p:txBody>
-      </p:sp>
-      <p:sp>
-        <p:nvSpPr>
-          <p:cNvPr id="6" name="テキスト ボックス 5"/>
-          <p:cNvSpPr txBox="1"/>
+              <a:rPr lang="ja-JP" altLang="en-US" sz="3200" dirty="0"/>
+              <a:t>スパムアカウントを見つけるプログラム（作ってみた）</a:t>
+            </a:r>
+            <a:r>
+              <a:rPr kumimoji="1" lang="en-US" altLang="ja-JP" sz="3200" dirty="0" smtClean="0"/>
+              <a:t/>
+            </a:r>
+            <a:br>
+              <a:rPr kumimoji="1" lang="en-US" altLang="ja-JP" sz="3200" dirty="0" smtClean="0"/>
+            </a:br>
+            <a:r>
+              <a:rPr kumimoji="1" lang="ja-JP" altLang="en-US" sz="2400" dirty="0" smtClean="0"/>
+              <a:t>イケメン男性パターンもある</a:t>
+            </a:r>
+            <a:endParaRPr kumimoji="1" lang="ja-JP" altLang="en-US" sz="2400" dirty="0"/>
+          </a:p>
+        </p:txBody>
+      </p:sp>
+      <p:pic>
+        <p:nvPicPr>
+          <p:cNvPr id="5" name="図 4"/>
+          <p:cNvPicPr>
+            <a:picLocks noChangeAspect="1"/>
+          </p:cNvPicPr>
           <p:nvPr/>
-        </p:nvSpPr>
+        </p:nvPicPr>
+        <p:blipFill>
+          <a:blip r:embed="rId2"/>
+          <a:stretch>
+            <a:fillRect/>
+          </a:stretch>
+        </p:blipFill>
         <p:spPr>
           <a:xfrm>
-            <a:off x="5863023" y="5474926"/>
-            <a:ext cx="5808277" cy="830997"/>
+            <a:off x="1587500" y="2328210"/>
+            <a:ext cx="5459686" cy="4441651"/>
           </a:xfrm>
           <a:prstGeom prst="rect">
             <a:avLst/>
           </a:prstGeom>
-          <a:noFill/>
-        </p:spPr>
-        <p:txBody>
-          <a:bodyPr wrap="square" rtlCol="0">
-            <a:spAutoFit/>
-          </a:bodyPr>
-          <a:lstStyle/>
-          <a:p>
-            <a:r>
-              <a:rPr lang="ja-JP" altLang="en-US" sz="2400" dirty="0" smtClean="0">
-                <a:solidFill>
-                  <a:schemeClr val="bg1"/>
-                </a:solidFill>
-              </a:rPr>
-              <a:t>札幌</a:t>
-            </a:r>
-            <a:r>
-              <a:rPr lang="ja-JP" altLang="en-US" sz="2400" dirty="0">
-                <a:solidFill>
-                  <a:schemeClr val="bg1"/>
-                </a:solidFill>
-              </a:rPr>
-              <a:t>ワークス</a:t>
-            </a:r>
-          </a:p>
-          <a:p>
-            <a:r>
-              <a:rPr lang="en-US" altLang="ja-JP" sz="2400" u="sng" dirty="0">
-                <a:solidFill>
-                  <a:schemeClr val="bg2"/>
-                </a:solidFill>
-              </a:rPr>
-              <a:t>http://</a:t>
-            </a:r>
-            <a:r>
-              <a:rPr lang="en-US" altLang="ja-JP" sz="2400" u="sng" dirty="0" smtClean="0">
-                <a:solidFill>
-                  <a:schemeClr val="bg2"/>
-                </a:solidFill>
-              </a:rPr>
-              <a:t>www.sapporoworks.ne.jp/spw</a:t>
-            </a:r>
-            <a:endParaRPr lang="en-US" altLang="ja-JP" sz="2400" u="sng" dirty="0">
-              <a:solidFill>
-                <a:schemeClr val="bg2"/>
-              </a:solidFill>
-            </a:endParaRPr>
-          </a:p>
-        </p:txBody>
-      </p:sp>
+        </p:spPr>
+      </p:pic>
+      <p:pic>
+        <p:nvPicPr>
+          <p:cNvPr id="8" name="図 7"/>
+          <p:cNvPicPr>
+            <a:picLocks noChangeAspect="1"/>
+          </p:cNvPicPr>
+          <p:nvPr/>
+        </p:nvPicPr>
+        <p:blipFill>
+          <a:blip r:embed="rId3"/>
+          <a:stretch>
+            <a:fillRect/>
+          </a:stretch>
+        </p:blipFill>
+        <p:spPr>
+          <a:xfrm>
+            <a:off x="2486135" y="5776833"/>
+            <a:ext cx="2095500" cy="866775"/>
+          </a:xfrm>
+          <a:prstGeom prst="rect">
+            <a:avLst/>
+          </a:prstGeom>
+          <a:effectLst>
+            <a:outerShdw blurRad="50800" dist="38100" dir="2700000" sx="101000" sy="101000" algn="tl" rotWithShape="0">
+              <a:prstClr val="black">
+                <a:alpha val="56000"/>
+              </a:prstClr>
+            </a:outerShdw>
+          </a:effectLst>
+        </p:spPr>
+      </p:pic>
+      <p:pic>
+        <p:nvPicPr>
+          <p:cNvPr id="9" name="図 8"/>
+          <p:cNvPicPr>
+            <a:picLocks noChangeAspect="1"/>
+          </p:cNvPicPr>
+          <p:nvPr/>
+        </p:nvPicPr>
+        <p:blipFill>
+          <a:blip r:embed="rId4"/>
+          <a:stretch>
+            <a:fillRect/>
+          </a:stretch>
+        </p:blipFill>
+        <p:spPr>
+          <a:xfrm>
+            <a:off x="6542689" y="1966833"/>
+            <a:ext cx="4387186" cy="5537553"/>
+          </a:xfrm>
+          <a:prstGeom prst="rect">
+            <a:avLst/>
+          </a:prstGeom>
+        </p:spPr>
+      </p:pic>
     </p:spTree>
     <p:extLst>
       <p:ext uri="{BB962C8B-B14F-4D97-AF65-F5344CB8AC3E}">
-        <p14:creationId xmlns:p14="http://schemas.microsoft.com/office/powerpoint/2010/main" val="770106191"/>
+        <p14:creationId xmlns:p14="http://schemas.microsoft.com/office/powerpoint/2010/main" val="871325078"/>
       </p:ext>
     </p:extLst>
   </p:cSld>
@@ -7019,6 +7113,355 @@
     <p:extLst>
       <p:ext uri="{BB962C8B-B14F-4D97-AF65-F5344CB8AC3E}">
         <p14:creationId xmlns:p14="http://schemas.microsoft.com/office/powerpoint/2010/main" val="1568371708"/>
+      </p:ext>
+    </p:extLst>
+  </p:cSld>
+  <p:clrMapOvr>
+    <a:masterClrMapping/>
+  </p:clrMapOvr>
+  <p:timing>
+    <p:tnLst>
+      <p:par>
+        <p:cTn id="1" dur="indefinite" restart="never" nodeType="tmRoot"/>
+      </p:par>
+    </p:tnLst>
+  </p:timing>
+</p:sld>
+</file>
+
+<file path=ppt/slides/slide20.xml><?xml version="1.0" encoding="utf-8"?>
+<p:sld xmlns:a="http://schemas.openxmlformats.org/drawingml/2006/main" xmlns:r="http://schemas.openxmlformats.org/officeDocument/2006/relationships" xmlns:p="http://schemas.openxmlformats.org/presentationml/2006/main">
+  <p:cSld>
+    <p:spTree>
+      <p:nvGrpSpPr>
+        <p:cNvPr id="1" name=""/>
+        <p:cNvGrpSpPr/>
+        <p:nvPr/>
+      </p:nvGrpSpPr>
+      <p:grpSpPr>
+        <a:xfrm>
+          <a:off x="0" y="0"/>
+          <a:ext cx="0" cy="0"/>
+          <a:chOff x="0" y="0"/>
+          <a:chExt cx="0" cy="0"/>
+        </a:xfrm>
+      </p:grpSpPr>
+      <p:sp>
+        <p:nvSpPr>
+          <p:cNvPr id="2" name="タイトル 1"/>
+          <p:cNvSpPr>
+            <a:spLocks noGrp="1"/>
+          </p:cNvSpPr>
+          <p:nvPr>
+            <p:ph type="title"/>
+          </p:nvPr>
+        </p:nvSpPr>
+        <p:spPr/>
+        <p:txBody>
+          <a:bodyPr>
+            <a:normAutofit/>
+          </a:bodyPr>
+          <a:lstStyle/>
+          <a:p>
+            <a:r>
+              <a:rPr lang="ja-JP" altLang="en-US" sz="3200" dirty="0"/>
+              <a:t>スパムアカウントを見つけるプログラム（作ってみた）</a:t>
+            </a:r>
+            <a:r>
+              <a:rPr lang="en-US" altLang="ja-JP" sz="3200" dirty="0"/>
+              <a:t/>
+            </a:r>
+            <a:br>
+              <a:rPr lang="en-US" altLang="ja-JP" sz="3200" dirty="0"/>
+            </a:br>
+            <a:r>
+              <a:rPr kumimoji="1" lang="en-US" altLang="ja-JP" sz="2400" dirty="0" smtClean="0"/>
+              <a:t>Windows</a:t>
+            </a:r>
+            <a:r>
+              <a:rPr kumimoji="1" lang="ja-JP" altLang="en-US" sz="2400" dirty="0" smtClean="0"/>
+              <a:t>用のベータ</a:t>
+            </a:r>
+            <a:r>
+              <a:rPr lang="ja-JP" altLang="en-US" sz="2400" dirty="0"/>
+              <a:t>版</a:t>
+            </a:r>
+            <a:r>
+              <a:rPr kumimoji="1" lang="ja-JP" altLang="en-US" sz="2400" dirty="0" smtClean="0"/>
+              <a:t>ですが・・・・</a:t>
+            </a:r>
+            <a:r>
+              <a:rPr lang="ja-JP" altLang="en-US" sz="2400" dirty="0" smtClean="0"/>
+              <a:t>良かったら遊んでみてください</a:t>
+            </a:r>
+            <a:endParaRPr kumimoji="1" lang="ja-JP" altLang="en-US" sz="2400" dirty="0"/>
+          </a:p>
+        </p:txBody>
+      </p:sp>
+      <p:sp>
+        <p:nvSpPr>
+          <p:cNvPr id="3" name="コンテンツ プレースホルダー 2"/>
+          <p:cNvSpPr>
+            <a:spLocks noGrp="1"/>
+          </p:cNvSpPr>
+          <p:nvPr>
+            <p:ph idx="1"/>
+          </p:nvPr>
+        </p:nvSpPr>
+        <p:spPr>
+          <a:xfrm>
+            <a:off x="6096000" y="2975965"/>
+            <a:ext cx="10607507" cy="1921799"/>
+          </a:xfrm>
+        </p:spPr>
+        <p:txBody>
+          <a:bodyPr/>
+          <a:lstStyle/>
+          <a:p>
+            <a:r>
+              <a:rPr kumimoji="1" lang="en-US" altLang="ja-JP" dirty="0" err="1" smtClean="0"/>
+              <a:t>CodePlex</a:t>
+            </a:r>
+            <a:endParaRPr kumimoji="1" lang="en-US" altLang="ja-JP" dirty="0" smtClean="0"/>
+          </a:p>
+          <a:p>
+            <a:pPr marL="0" indent="0">
+              <a:buNone/>
+            </a:pPr>
+            <a:r>
+              <a:rPr lang="ja-JP" altLang="en-US" dirty="0"/>
+              <a:t>　</a:t>
+            </a:r>
+            <a:r>
+              <a:rPr lang="en-US" altLang="ja-JP" dirty="0">
+                <a:hlinkClick r:id="rId2"/>
+              </a:rPr>
+              <a:t>http://secpolo.codeplex.com/</a:t>
+            </a:r>
+            <a:endParaRPr kumimoji="1" lang="en-US" altLang="ja-JP" dirty="0" smtClean="0"/>
+          </a:p>
+          <a:p>
+            <a:r>
+              <a:rPr lang="en-US" altLang="ja-JP" dirty="0" err="1" smtClean="0"/>
+              <a:t>Github</a:t>
+            </a:r>
+            <a:endParaRPr lang="en-US" altLang="ja-JP" dirty="0" smtClean="0"/>
+          </a:p>
+          <a:p>
+            <a:pPr marL="0" indent="0">
+              <a:buNone/>
+            </a:pPr>
+            <a:r>
+              <a:rPr kumimoji="1" lang="en-US" altLang="ja-JP" dirty="0"/>
+              <a:t> </a:t>
+            </a:r>
+            <a:r>
+              <a:rPr kumimoji="1" lang="en-US" altLang="ja-JP" dirty="0" smtClean="0"/>
+              <a:t>   </a:t>
+            </a:r>
+            <a:r>
+              <a:rPr lang="en-US" altLang="ja-JP" dirty="0" smtClean="0">
+                <a:hlinkClick r:id="rId3"/>
+              </a:rPr>
+              <a:t>https</a:t>
+            </a:r>
+            <a:r>
+              <a:rPr lang="en-US" altLang="ja-JP" dirty="0">
+                <a:hlinkClick r:id="rId3"/>
+              </a:rPr>
+              <a:t>://github.com/furuya02/secpolo</a:t>
+            </a:r>
+            <a:endParaRPr kumimoji="1" lang="ja-JP" altLang="en-US" dirty="0"/>
+          </a:p>
+        </p:txBody>
+      </p:sp>
+      <p:pic>
+        <p:nvPicPr>
+          <p:cNvPr id="4" name="図 3"/>
+          <p:cNvPicPr>
+            <a:picLocks noChangeAspect="1"/>
+          </p:cNvPicPr>
+          <p:nvPr/>
+        </p:nvPicPr>
+        <p:blipFill>
+          <a:blip r:embed="rId4"/>
+          <a:stretch>
+            <a:fillRect/>
+          </a:stretch>
+        </p:blipFill>
+        <p:spPr>
+          <a:xfrm>
+            <a:off x="488950" y="2176560"/>
+            <a:ext cx="3653832" cy="2337029"/>
+          </a:xfrm>
+          <a:prstGeom prst="rect">
+            <a:avLst/>
+          </a:prstGeom>
+        </p:spPr>
+      </p:pic>
+      <p:pic>
+        <p:nvPicPr>
+          <p:cNvPr id="5" name="図 4"/>
+          <p:cNvPicPr>
+            <a:picLocks noChangeAspect="1"/>
+          </p:cNvPicPr>
+          <p:nvPr/>
+        </p:nvPicPr>
+        <p:blipFill>
+          <a:blip r:embed="rId5"/>
+          <a:stretch>
+            <a:fillRect/>
+          </a:stretch>
+        </p:blipFill>
+        <p:spPr>
+          <a:xfrm>
+            <a:off x="1562100" y="4093858"/>
+            <a:ext cx="3524516" cy="2217411"/>
+          </a:xfrm>
+          <a:prstGeom prst="rect">
+            <a:avLst/>
+          </a:prstGeom>
+        </p:spPr>
+      </p:pic>
+    </p:spTree>
+    <p:extLst>
+      <p:ext uri="{BB962C8B-B14F-4D97-AF65-F5344CB8AC3E}">
+        <p14:creationId xmlns:p14="http://schemas.microsoft.com/office/powerpoint/2010/main" val="1537892652"/>
+      </p:ext>
+    </p:extLst>
+  </p:cSld>
+  <p:clrMapOvr>
+    <a:masterClrMapping/>
+  </p:clrMapOvr>
+  <p:timing>
+    <p:tnLst>
+      <p:par>
+        <p:cTn id="1" dur="indefinite" restart="never" nodeType="tmRoot"/>
+      </p:par>
+    </p:tnLst>
+  </p:timing>
+</p:sld>
+</file>
+
+<file path=ppt/slides/slide21.xml><?xml version="1.0" encoding="utf-8"?>
+<p:sld xmlns:a="http://schemas.openxmlformats.org/drawingml/2006/main" xmlns:r="http://schemas.openxmlformats.org/officeDocument/2006/relationships" xmlns:p="http://schemas.openxmlformats.org/presentationml/2006/main">
+  <p:cSld>
+    <p:spTree>
+      <p:nvGrpSpPr>
+        <p:cNvPr id="1" name=""/>
+        <p:cNvGrpSpPr/>
+        <p:nvPr/>
+      </p:nvGrpSpPr>
+      <p:grpSpPr>
+        <a:xfrm>
+          <a:off x="0" y="0"/>
+          <a:ext cx="0" cy="0"/>
+          <a:chOff x="0" y="0"/>
+          <a:chExt cx="0" cy="0"/>
+        </a:xfrm>
+      </p:grpSpPr>
+      <p:sp>
+        <p:nvSpPr>
+          <p:cNvPr id="8" name="タイトル 1"/>
+          <p:cNvSpPr>
+            <a:spLocks noGrp="1"/>
+          </p:cNvSpPr>
+          <p:nvPr>
+            <p:ph type="ctrTitle"/>
+          </p:nvPr>
+        </p:nvSpPr>
+        <p:spPr>
+          <a:xfrm>
+            <a:off x="581191" y="1020431"/>
+            <a:ext cx="10993549" cy="1475013"/>
+          </a:xfrm>
+        </p:spPr>
+        <p:txBody>
+          <a:bodyPr>
+            <a:normAutofit/>
+          </a:bodyPr>
+          <a:lstStyle/>
+          <a:p>
+            <a:r>
+              <a:rPr lang="ja-JP" altLang="en-US" sz="4400" dirty="0" smtClean="0">
+                <a:latin typeface="+mj-ea"/>
+              </a:rPr>
+              <a:t>ご清聴ありがとうございました</a:t>
+            </a:r>
+            <a:endParaRPr kumimoji="1" lang="ja-JP" altLang="en-US" sz="4400" dirty="0">
+              <a:latin typeface="+mj-ea"/>
+            </a:endParaRPr>
+          </a:p>
+        </p:txBody>
+      </p:sp>
+      <p:sp>
+        <p:nvSpPr>
+          <p:cNvPr id="6" name="テキスト ボックス 5"/>
+          <p:cNvSpPr txBox="1"/>
+          <p:nvPr/>
+        </p:nvSpPr>
+        <p:spPr>
+          <a:xfrm>
+            <a:off x="5863023" y="5474926"/>
+            <a:ext cx="5808277" cy="830997"/>
+          </a:xfrm>
+          <a:prstGeom prst="rect">
+            <a:avLst/>
+          </a:prstGeom>
+          <a:noFill/>
+        </p:spPr>
+        <p:txBody>
+          <a:bodyPr wrap="square" rtlCol="0">
+            <a:spAutoFit/>
+          </a:bodyPr>
+          <a:lstStyle/>
+          <a:p>
+            <a:r>
+              <a:rPr lang="ja-JP" altLang="en-US" sz="2400" dirty="0" smtClean="0">
+                <a:solidFill>
+                  <a:schemeClr val="bg1"/>
+                </a:solidFill>
+              </a:rPr>
+              <a:t>札幌</a:t>
+            </a:r>
+            <a:r>
+              <a:rPr lang="ja-JP" altLang="en-US" sz="2400" dirty="0">
+                <a:solidFill>
+                  <a:schemeClr val="bg1"/>
+                </a:solidFill>
+              </a:rPr>
+              <a:t>ワークス</a:t>
+            </a:r>
+          </a:p>
+          <a:p>
+            <a:r>
+              <a:rPr lang="en-US" altLang="ja-JP" sz="2400" u="sng" dirty="0">
+                <a:solidFill>
+                  <a:schemeClr val="bg2"/>
+                </a:solidFill>
+              </a:rPr>
+              <a:t>http://</a:t>
+            </a:r>
+            <a:r>
+              <a:rPr lang="en-US" altLang="ja-JP" sz="2400" u="sng" dirty="0" smtClean="0">
+                <a:solidFill>
+                  <a:schemeClr val="bg2"/>
+                </a:solidFill>
+              </a:rPr>
+              <a:t>www.sapporoworks.ne.jp/spw</a:t>
+            </a:r>
+            <a:endParaRPr lang="en-US" altLang="ja-JP" sz="2400" u="sng" dirty="0">
+              <a:solidFill>
+                <a:schemeClr val="bg2"/>
+              </a:solidFill>
+            </a:endParaRPr>
+          </a:p>
+        </p:txBody>
+      </p:sp>
+    </p:spTree>
+    <p:extLst>
+      <p:ext uri="{BB962C8B-B14F-4D97-AF65-F5344CB8AC3E}">
+        <p14:creationId xmlns:p14="http://schemas.microsoft.com/office/powerpoint/2010/main" val="770106191"/>
       </p:ext>
     </p:extLst>
   </p:cSld>
@@ -8129,13 +8572,7 @@
               <a:rPr lang="ja-JP" altLang="en-US" sz="2400" dirty="0" smtClean="0">
                 <a:latin typeface="メイリオ 本文"/>
               </a:rPr>
-              <a:t>アカウント</a:t>
-            </a:r>
-            <a:r>
-              <a:rPr lang="ja-JP" altLang="en-US" sz="2400" dirty="0" smtClean="0">
-                <a:latin typeface="メイリオ 本文"/>
-              </a:rPr>
-              <a:t>生成のロジックが、見え隠れする・・・・</a:t>
+              <a:t>アカウント生成のロジックが、見え隠れする・・・・</a:t>
             </a:r>
             <a:endParaRPr kumimoji="1" lang="ja-JP" altLang="en-US" sz="2400" dirty="0"/>
           </a:p>
@@ -8222,13 +8659,7 @@
               <a:rPr lang="ja-JP" altLang="en-US" sz="2400" dirty="0" smtClean="0">
                 <a:latin typeface="メイリオ 本文"/>
               </a:rPr>
-              <a:t>？</a:t>
-            </a:r>
-            <a:r>
-              <a:rPr lang="ja-JP" altLang="en-US" sz="2400" dirty="0" smtClean="0">
-                <a:latin typeface="メイリオ 本文"/>
-              </a:rPr>
-              <a:t>）</a:t>
+              <a:t>？）</a:t>
             </a:r>
             <a:endParaRPr lang="en-US" altLang="ja-JP" sz="2400" dirty="0" smtClean="0">
               <a:latin typeface="メイリオ 本文"/>
@@ -8584,15 +9015,7 @@
             </a:br>
             <a:r>
               <a:rPr lang="ja-JP" altLang="en-US" sz="2400" dirty="0" smtClean="0"/>
-              <a:t>各所</a:t>
-            </a:r>
-            <a:r>
-              <a:rPr lang="ja-JP" altLang="en-US" sz="2400" dirty="0" smtClean="0"/>
-              <a:t>で列挙されているよう</a:t>
-            </a:r>
-            <a:r>
-              <a:rPr lang="ja-JP" altLang="en-US" sz="2400" dirty="0" smtClean="0"/>
-              <a:t>です</a:t>
+              <a:t>各所で列挙されているようです</a:t>
             </a:r>
             <a:endParaRPr kumimoji="1" lang="ja-JP" altLang="en-US" sz="2400" dirty="0"/>
           </a:p>

--- a/doc/secpolo2013.07.20.pptx
+++ b/doc/secpolo2013.07.20.pptx
@@ -4235,10 +4235,10 @@
           <a:lstStyle/>
           <a:p>
             <a:r>
-              <a:rPr lang="ja-JP" altLang="en-US" sz="4800" dirty="0" smtClean="0">
+              <a:rPr lang="ja-JP" altLang="en-US" sz="4800" smtClean="0">
                 <a:latin typeface="+mj-ea"/>
               </a:rPr>
-              <a:t>フェースブックスパム</a:t>
+              <a:t>フェースブックの偽アカウント</a:t>
             </a:r>
             <a:endParaRPr kumimoji="1" lang="ja-JP" altLang="en-US" sz="4800" dirty="0">
               <a:latin typeface="+mj-ea"/>
